--- a/docs/materials/OS-M3/OS-M3-S8-Simulations/OS-template-slides.pptx
+++ b/docs/materials/OS-M3/OS-M3-S8-Simulations/OS-template-slides.pptx
@@ -5719,7 +5719,7 @@
             </a:pPr>
             <a:r>
               <a:rPr/>
-              <a:t>06/01/2026</a:t>
+              <a:t>08/01/2026</a:t>
             </a:r>
           </a:p>
         </p:txBody>

--- a/docs/materials/OS-M3/OS-M3-S8-Simulations/OS-template-slides.pptx
+++ b/docs/materials/OS-M3/OS-M3-S8-Simulations/OS-template-slides.pptx
@@ -6693,7 +6693,7 @@
             </a:r>
             <a:r>
               <a:rPr/>
-              <a:t>: Name, first name (ORCID Logo orcid)</a:t>
+              <a:t>: Name, first name orcid</a:t>
             </a:r>
           </a:p>
           <a:p>
@@ -6706,7 +6706,7 @@
             </a:r>
             <a:r>
               <a:rPr/>
-              <a:t>: Name, first name (ORCID Logo orcid)</a:t>
+              <a:t>: Name, first name orcid</a:t>
             </a:r>
           </a:p>
           <a:p>
@@ -6719,7 +6719,7 @@
             </a:r>
             <a:r>
               <a:rPr/>
-              <a:t>: Name, first name (ORCID Logo orcid)</a:t>
+              <a:t>: Name, first name orcid</a:t>
             </a:r>
           </a:p>
           <a:p>
